--- a/lectures/SECURITY/slides/lecture11.pptx
+++ b/lectures/SECURITY/slides/lecture11.pptx
@@ -1152,7 +1152,7 @@
               </a:lnSpc>
             </a:pPr>
             <a:r>
-              <a:rPr lang="en-US" smtClean="0">
+              <a:rPr lang="en-US" dirty="0" smtClean="0">
                 <a:latin typeface="Arial" pitchFamily="34" charset="0"/>
               </a:rPr>
               <a:t>The operation of an IEEE 802.11i RSN can be broken down into five distinct phases of operation, as shown in Stallings Figure 17.5. One new component is the authentication server (AS). The five  phase are: </a:t>
@@ -1165,19 +1165,19 @@
               </a:lnSpc>
             </a:pPr>
             <a:r>
-              <a:rPr lang="en-US" smtClean="0">
+              <a:rPr lang="en-US" dirty="0" smtClean="0">
                 <a:latin typeface="Arial" pitchFamily="34" charset="0"/>
               </a:rPr>
               <a:t> • </a:t>
             </a:r>
             <a:r>
-              <a:rPr lang="en-US" b="1" smtClean="0">
+              <a:rPr lang="en-US" b="1" dirty="0" smtClean="0">
                 <a:latin typeface="Arial" pitchFamily="34" charset="0"/>
               </a:rPr>
               <a:t>Discovery</a:t>
             </a:r>
             <a:r>
-              <a:rPr lang="en-US" smtClean="0">
+              <a:rPr lang="en-US" dirty="0" smtClean="0">
                 <a:latin typeface="Arial" pitchFamily="34" charset="0"/>
               </a:rPr>
               <a:t>: An AP uses messages called Beacons and Probe Responses to advertise its IEEE 802.11i security policy. The STA uses these to identify an AP for a WLAN with which it wishes to communicate. The STA associates with the AP, which it uses to select the cipher suite and authentication mechanism when the Beacons and Probe Responses present a choice. </a:t>
@@ -1190,25 +1190,25 @@
               </a:lnSpc>
             </a:pPr>
             <a:r>
-              <a:rPr lang="en-US" b="1" smtClean="0">
+              <a:rPr lang="en-US" b="1" dirty="0" smtClean="0">
                 <a:latin typeface="Arial" pitchFamily="34" charset="0"/>
               </a:rPr>
               <a:t>• Authentication</a:t>
             </a:r>
             <a:r>
-              <a:rPr lang="en-US" smtClean="0">
+              <a:rPr lang="en-US" dirty="0" smtClean="0">
                 <a:latin typeface="Arial" pitchFamily="34" charset="0"/>
               </a:rPr>
               <a:t>: During this phase, the STA and AS prove their identities to each other. The AP blocks non-authentication traffic between the STA and AS until the authentication transaction is successful. The AP does not participate in the authentication transaction other than forwarding traffic between the STA and AS. • </a:t>
             </a:r>
             <a:r>
-              <a:rPr lang="en-US" b="1" smtClean="0">
+              <a:rPr lang="en-US" b="1" dirty="0" smtClean="0">
                 <a:latin typeface="Arial" pitchFamily="34" charset="0"/>
               </a:rPr>
               <a:t>Key generation and distribution</a:t>
             </a:r>
             <a:r>
-              <a:rPr lang="en-US" smtClean="0">
+              <a:rPr lang="en-US" dirty="0" smtClean="0">
                 <a:latin typeface="Arial" pitchFamily="34" charset="0"/>
               </a:rPr>
               <a:t>: The AP and the STA perform several operations that cause cryptographic keys to be generated and placed on the AP and the STA. Frames are exchanged between the AP and STA only</a:t>
@@ -1221,13 +1221,13 @@
               </a:lnSpc>
             </a:pPr>
             <a:r>
-              <a:rPr lang="en-US" b="1" smtClean="0">
+              <a:rPr lang="en-US" b="1" dirty="0" smtClean="0">
                 <a:latin typeface="Arial" pitchFamily="34" charset="0"/>
               </a:rPr>
               <a:t> • Protected data transfer</a:t>
             </a:r>
             <a:r>
-              <a:rPr lang="en-US" smtClean="0">
+              <a:rPr lang="en-US" dirty="0" smtClean="0">
                 <a:latin typeface="Arial" pitchFamily="34" charset="0"/>
               </a:rPr>
               <a:t>: Frames are exchanged between the STA and the end station through the AP. As denoted by the shading and the encryption module icon, secure data transfer occurs between the STA and the AP only; security is not provided end-to-end. </a:t>
@@ -1240,13 +1240,13 @@
               </a:lnSpc>
             </a:pPr>
             <a:r>
-              <a:rPr lang="en-US" b="1" smtClean="0">
+              <a:rPr lang="en-US" b="1" dirty="0" smtClean="0">
                 <a:latin typeface="Arial" pitchFamily="34" charset="0"/>
               </a:rPr>
               <a:t>• Connection termination</a:t>
             </a:r>
             <a:r>
-              <a:rPr lang="en-US" smtClean="0">
+              <a:rPr lang="en-US" dirty="0" smtClean="0">
                 <a:latin typeface="Arial" pitchFamily="34" charset="0"/>
               </a:rPr>
               <a:t>: The AP and STA exchange frames. During this phase, the secure connection is torn down and the connection is restored to the original state. </a:t>
@@ -1464,10 +1464,34 @@
           <a:lstStyle/>
           <a:p>
             <a:r>
-              <a:rPr lang="en-US" smtClean="0">
+              <a:rPr lang="en-US" dirty="0" smtClean="0">
                 <a:latin typeface="Arial" pitchFamily="34" charset="0"/>
               </a:rPr>
-              <a:t> IEEE 802.11i uses the Extensible Authentication Protocol (EAP) that is defined in the IEEE 802.1X standard, designed to provide access control functions for LANs. Before a supplicant (wireless station) is authenticated by the AS (authentication server), using an authentication protocol, the authenticator (AP) only passes control or authentication messages between the supplicant and the AS; the 802.1X control channel is unblocked but the 802.11 data channel is blocked. Once a supplicant is authenticated and keys are provided, the authenticator can forward data from the supplicant, subject to predefined access control limitations for the supplicant to the network. Under these circumstances, the data channel is unblocked.  As indicated in Figure 17.7, 802.1X uses the concepts of controlled and uncontrolled ports. Ports are logical entities defined within the authenticator and refer to physical network connections. For a WLAN, the authenticator (the AP) may have only two physical ports, one connecting to the DS (backbone distribution system) and one for wireless communication within its BSS. </a:t>
+              <a:t> IEEE 802.11i uses the </a:t>
+            </a:r>
+            <a:r>
+              <a:rPr lang="en-US" b="1" dirty="0" smtClean="0">
+                <a:latin typeface="Arial" pitchFamily="34" charset="0"/>
+              </a:rPr>
+              <a:t>Extensible Authentication Protocol (EAP) </a:t>
+            </a:r>
+            <a:r>
+              <a:rPr lang="en-US" dirty="0" smtClean="0">
+                <a:latin typeface="Arial" pitchFamily="34" charset="0"/>
+              </a:rPr>
+              <a:t>that is defined in the IEEE 802.1X standard, designed to provide access control functions for LANs. Before a supplicant (wireless station) is authenticated by the AS (authentication server), using an authentication protocol, the authenticator (AP) only passes control or authentication messages between the supplicant and the AS; the 802.1X control channel is unblocked but the 802.11 data channel is blocked. Once a supplicant is authenticated and keys are provided, the authenticator can forward data from the supplicant, subject to predefined access control limitations for the supplicant to the network. Under these circumstances, the data channel is unblocked.  As indicated in Figure 17.7, 802.1X uses the concepts of controlled and uncontrolled ports. Ports are logical entities defined within the authenticator and refer to physical network connections. For a WLAN, the authenticator (the AP) may have only two physical ports, </a:t>
+            </a:r>
+            <a:r>
+              <a:rPr lang="en-US" b="1" dirty="0" smtClean="0">
+                <a:latin typeface="Arial" pitchFamily="34" charset="0"/>
+              </a:rPr>
+              <a:t>one connecting to the DS (backbone distribution system) </a:t>
+            </a:r>
+            <a:r>
+              <a:rPr lang="en-US" dirty="0" smtClean="0">
+                <a:latin typeface="Arial" pitchFamily="34" charset="0"/>
+              </a:rPr>
+              <a:t>and one for wireless communication within its BSS. </a:t>
             </a:r>
           </a:p>
         </p:txBody>
@@ -1570,58 +1594,70 @@
               </a:lnSpc>
             </a:pPr>
             <a:r>
-              <a:rPr lang="en-US" smtClean="0">
+              <a:rPr lang="en-US" dirty="0" smtClean="0">
                 <a:latin typeface="Arial" pitchFamily="34" charset="0"/>
               </a:rPr>
               <a:t>Note from Figure 17.6 that the AP controlled port is still blocked to general user traffic. Although the authentication is successful, the ports remain blocked until the temporal keys are installed in the STA and AP, which occurs during the 4-Way Handshake. During the key management phase, a variety of cryptographic keys are generated and distributed to STAs. There are two types of keys: pairwise keys, used for communication between an STA and an AP; and group keys, for multicast communication. Stallings Figure 17.8 shows the two key hierarchies. Pairwise keys are used for communication between a pair of devices, typically between an STA and an AP. These keys form a hierarchy, beginning with a master key from which other keys are derived dynamically and used for a limited period of time. A </a:t>
             </a:r>
             <a:r>
-              <a:rPr lang="en-US" b="1" smtClean="0">
+              <a:rPr lang="en-US" b="1" dirty="0" smtClean="0">
                 <a:latin typeface="Arial" pitchFamily="34" charset="0"/>
               </a:rPr>
               <a:t>pre-shared key (PSK) </a:t>
             </a:r>
             <a:r>
-              <a:rPr lang="en-US" smtClean="0">
+              <a:rPr lang="en-US" dirty="0" smtClean="0">
                 <a:latin typeface="Arial" pitchFamily="34" charset="0"/>
               </a:rPr>
               <a:t>is a secret key shared by the AP and a STA, and installed in some fashion outside the scope of IEEE 802.11i. The other alternative is the </a:t>
             </a:r>
             <a:r>
-              <a:rPr lang="en-US" b="1" smtClean="0">
+              <a:rPr lang="en-US" b="1" dirty="0" smtClean="0">
                 <a:latin typeface="Arial" pitchFamily="34" charset="0"/>
               </a:rPr>
               <a:t>master session key (MSK), </a:t>
             </a:r>
             <a:r>
-              <a:rPr lang="en-US" smtClean="0">
+              <a:rPr lang="en-US" dirty="0" smtClean="0">
                 <a:latin typeface="Arial" pitchFamily="34" charset="0"/>
               </a:rPr>
               <a:t>also known as the AAAK, which is generated using the IEEE 802.1X protocol during the authentication phase, as described previously. The </a:t>
             </a:r>
             <a:r>
-              <a:rPr lang="en-US" b="1" smtClean="0">
+              <a:rPr lang="en-US" b="1" dirty="0" smtClean="0">
                 <a:latin typeface="Arial" pitchFamily="34" charset="0"/>
               </a:rPr>
               <a:t>pairwise master key (PMK</a:t>
             </a:r>
             <a:r>
-              <a:rPr lang="en-US" smtClean="0">
+              <a:rPr lang="en-US" dirty="0" smtClean="0">
                 <a:latin typeface="Arial" pitchFamily="34" charset="0"/>
               </a:rPr>
               <a:t>) is derived from the master key as follows: If a PSK is used, then the PSK is used as the PMK; if a MSK is used, then the PMK is derived from the MSK by truncation (if necessary). By the end of the authentication phase (on EAP Success message), both the AP and the STA have a copy of their shared PMK. The PMK is used to generate the </a:t>
             </a:r>
             <a:r>
-              <a:rPr lang="en-US" b="1" smtClean="0">
+              <a:rPr lang="en-US" b="1" dirty="0" smtClean="0">
                 <a:latin typeface="Arial" pitchFamily="34" charset="0"/>
               </a:rPr>
               <a:t>pairwise transient key (PTK)</a:t>
             </a:r>
             <a:r>
-              <a:rPr lang="en-US" smtClean="0">
+              <a:rPr lang="en-US" dirty="0" smtClean="0">
                 <a:latin typeface="Arial" pitchFamily="34" charset="0"/>
               </a:rPr>
-              <a:t>, which in fact consists of three keys to be used for communication between an STA and AP after they have mutually authenticated. To derive the PTK, the PMK, the MAC addresses of the STA and AP, and nonces generated when needed are all input to the HMAC-SHA-1 function. Group keys are used for multicast communication when one STA sends MPDU's to multiple STAs. </a:t>
+              <a:t>, which in fact consists of three keys to be used for communication between an STA and AP after they have mutually authenticated. To derive the PTK, the PMK, the MAC addresses of the STA and AP, and </a:t>
+            </a:r>
+            <a:r>
+              <a:rPr lang="en-US" dirty="0" err="1" smtClean="0">
+                <a:latin typeface="Arial" pitchFamily="34" charset="0"/>
+              </a:rPr>
+              <a:t>nonces</a:t>
+            </a:r>
+            <a:r>
+              <a:rPr lang="en-US" dirty="0" smtClean="0">
+                <a:latin typeface="Arial" pitchFamily="34" charset="0"/>
+              </a:rPr>
+              <a:t> generated when needed are all input to the HMAC-SHA-1 function. Group keys are used for multicast communication when one STA sends MPDU's to multiple STAs. </a:t>
             </a:r>
           </a:p>
         </p:txBody>
@@ -1950,30 +1986,96 @@
           <a:lstStyle/>
           <a:p>
             <a:r>
-              <a:rPr lang="en-US" smtClean="0">
+              <a:rPr lang="en-US" dirty="0" smtClean="0">
                 <a:latin typeface="Arial" pitchFamily="34" charset="0"/>
               </a:rPr>
-              <a:t>At a number of places in the IEEE 802.11i scheme, a pseudorandom function (PRF) is used. For example, it is used to generate nonces, to expand pairwise keys, and to generate the GTK. The PRF is built on the use of HMAC-SHA-1 to generate a pseudorandom bit stream. Recall that HMAC-SHA-1 takes a message (block of data) and a key of length at least 160 bits and produces a 160-bit hash value. SHA-1 has the property that the change of a single bit of the input produces a new hash value with no apparent connection to the preceding hash value. This property is the basis for pseudorandom number generation.  The IEEE 802.11i PRF takes four parameters (a secret key K, an application specific text string A, some data specific to each case B, and the desired number of pseudorandom bits Len) as input, and produces the desired number of random bits.</a:t>
-            </a:r>
-          </a:p>
-          <a:p>
-            <a:r>
-              <a:rPr lang="en-US" smtClean="0">
+              <a:t>At a number of places in the IEEE 802.11i scheme, a pseudorandom function (PRF) is used. For example, it is used to </a:t>
+            </a:r>
+            <a:r>
+              <a:rPr lang="en-US" b="1" dirty="0" smtClean="0">
+                <a:latin typeface="Arial" pitchFamily="34" charset="0"/>
+              </a:rPr>
+              <a:t>generate </a:t>
+            </a:r>
+            <a:r>
+              <a:rPr lang="en-US" b="1" dirty="0" err="1" smtClean="0">
+                <a:latin typeface="Arial" pitchFamily="34" charset="0"/>
+              </a:rPr>
+              <a:t>nonces</a:t>
+            </a:r>
+            <a:r>
+              <a:rPr lang="en-US" b="1" dirty="0" smtClean="0">
+                <a:latin typeface="Arial" pitchFamily="34" charset="0"/>
+              </a:rPr>
+              <a:t>, to expand pairwise keys, and to generate the GTK. </a:t>
+            </a:r>
+            <a:r>
+              <a:rPr lang="en-US" dirty="0" smtClean="0">
+                <a:latin typeface="Arial" pitchFamily="34" charset="0"/>
+              </a:rPr>
+              <a:t>The PRF is built on the use of HMAC-SHA-1 to generate a pseudorandom bit stream. Recall that HMAC-SHA-1 takes a message (block of data) and a key of length at least 160 bits and produces a 160-bit hash value. SHA-1 has the property that the change of a single bit of the input produces a new hash value with no apparent connection to the preceding hash value. This property is the basis for pseudorandom number generation.  The IEEE 802.11i PRF takes four parameters (</a:t>
+            </a:r>
+            <a:r>
+              <a:rPr lang="en-US" b="1" dirty="0" smtClean="0">
+                <a:latin typeface="Arial" pitchFamily="34" charset="0"/>
+              </a:rPr>
+              <a:t>a secret key K, an application specific text string A, some data specific to each case B, and the desired number of pseudorandom bits Len</a:t>
+            </a:r>
+            <a:r>
+              <a:rPr lang="en-US" dirty="0" smtClean="0">
+                <a:latin typeface="Arial" pitchFamily="34" charset="0"/>
+              </a:rPr>
+              <a:t>) as input, and produces the desired number of random bits.</a:t>
+            </a:r>
+          </a:p>
+          <a:p>
+            <a:r>
+              <a:rPr lang="en-US" dirty="0" smtClean="0">
                 <a:latin typeface="Arial" pitchFamily="34" charset="0"/>
               </a:rPr>
               <a:t>Stallings Figure 17.10 illustrates the function PRF(</a:t>
             </a:r>
             <a:r>
-              <a:rPr lang="en-US" i="1" smtClean="0">
+              <a:rPr lang="en-US" i="1" dirty="0" smtClean="0">
                 <a:latin typeface="Arial" pitchFamily="34" charset="0"/>
               </a:rPr>
-              <a:t>K, A, B, Len). </a:t>
-            </a:r>
-            <a:r>
-              <a:rPr lang="en-US" smtClean="0">
+              <a:t>K, A, B, Len</a:t>
+            </a:r>
+            <a:r>
+              <a:rPr lang="en-US" b="1" i="1" dirty="0" smtClean="0">
                 <a:latin typeface="Arial" pitchFamily="34" charset="0"/>
               </a:rPr>
-              <a:t>The parameter K serves as the key input to HMAC. The message input consists of four items concatenated together: the parameter A, a byte with value 0, the parameter B, and a counter i. The counter is initialized to 0. The HMAC algorithm is run once, producing a 160-bit hash value. If more bits are required, HMAC is run again with the same inputs, except that i is incremented each time, until the necessary number of bits is generated. </a:t>
+              <a:t>). </a:t>
+            </a:r>
+            <a:r>
+              <a:rPr lang="en-US" b="1" dirty="0" smtClean="0">
+                <a:latin typeface="Arial" pitchFamily="34" charset="0"/>
+              </a:rPr>
+              <a:t>The parameter K serves as the key input to HMAC. The message input consists of four items concatenated together: the parameter A, a byte with value 0, the parameter B, and a counter </a:t>
+            </a:r>
+            <a:r>
+              <a:rPr lang="en-US" b="1" dirty="0" err="1" smtClean="0">
+                <a:latin typeface="Arial" pitchFamily="34" charset="0"/>
+              </a:rPr>
+              <a:t>i</a:t>
+            </a:r>
+            <a:r>
+              <a:rPr lang="en-US" b="1" dirty="0" smtClean="0">
+                <a:latin typeface="Arial" pitchFamily="34" charset="0"/>
+              </a:rPr>
+              <a:t>. The counter is initialized to 0. The HMAC algorithm is run once, producing a 160-bit hash value. If more bits are required, HMAC is run again with the same inputs, except that </a:t>
+            </a:r>
+            <a:r>
+              <a:rPr lang="en-US" b="1" dirty="0" err="1" smtClean="0">
+                <a:latin typeface="Arial" pitchFamily="34" charset="0"/>
+              </a:rPr>
+              <a:t>i</a:t>
+            </a:r>
+            <a:r>
+              <a:rPr lang="en-US" b="1" dirty="0" smtClean="0">
+                <a:latin typeface="Arial" pitchFamily="34" charset="0"/>
+              </a:rPr>
+              <a:t> is incremented each time, until the necessary number of bits is generated. </a:t>
             </a:r>
           </a:p>
         </p:txBody>
@@ -2067,15 +2169,27 @@
           <a:lstStyle/>
           <a:p>
             <a:r>
-              <a:rPr lang="en-US" smtClean="0">
+              <a:rPr lang="en-US" dirty="0" smtClean="0">
                 <a:latin typeface="Arial" pitchFamily="34" charset="0"/>
               </a:rPr>
-              <a:t>The Wireless Application Protocol (WAP) is a universal, open standard developed by the WAP Forum to provide mobile users of wireless phones and other wireless devices, access to telephony and information services. WAP is designed to work with all wireless network technologies (e.g., GSM,  CDMA, TDMA). WAP is based on existing Internet standards, such as IP, XML, HTML, and HTTP, as much as possible, &amp; also includes security facilities. The current release of the WAP specification is version 2.0.  Strongly affecting the use of mobile phones and terminals for data services are the significant limitations of the devices (in processors, memory, and battery life) and the networks (relatively low bandwidth, high latency, and unpredictable availability and stability) that connect them. The user interface is also limited, displays are small, and all these features vary widely from terminal device to terminal device and from network to network.  WAP is designed to deal with these challenges. The WAP specification includes:  </a:t>
-            </a:r>
-          </a:p>
-          <a:p>
-            <a:r>
-              <a:rPr lang="en-US" smtClean="0">
+              <a:t>The Wireless Application Protocol (WAP) is a universal, open standard developed by the WAP Forum to provide mobile users of wireless phones and other wireless devices, access to telephony and information services. </a:t>
+            </a:r>
+            <a:r>
+              <a:rPr lang="en-US" b="1" dirty="0" smtClean="0">
+                <a:latin typeface="Arial" pitchFamily="34" charset="0"/>
+              </a:rPr>
+              <a:t>WAP is designed to work with all wireless network technologies (e.g., GSM,  CDMA, TDMA). WAP is based on existing Internet standards, such as IP, XML, HTML, and HTTP, as much as possible, &amp; also includes security facilities</a:t>
+            </a:r>
+            <a:r>
+              <a:rPr lang="en-US" dirty="0" smtClean="0">
+                <a:latin typeface="Arial" pitchFamily="34" charset="0"/>
+              </a:rPr>
+              <a:t>. The current release of the WAP specification is version 2.0.  Strongly affecting the use of mobile phones and terminals for data services are the significant limitations of the devices (in processors, memory, and battery life) and the networks (relatively low bandwidth, high latency, and unpredictable availability and stability) that connect them. The user interface is also limited, displays are small, and all these features vary widely from terminal device to terminal device and from network to network.  WAP is designed to deal with these challenges. The WAP specification includes:  </a:t>
+            </a:r>
+          </a:p>
+          <a:p>
+            <a:r>
+              <a:rPr lang="en-US" dirty="0" smtClean="0">
                 <a:latin typeface="Arial" pitchFamily="34" charset="0"/>
               </a:rPr>
               <a:t>• A programming model based on the WWW Programming Model </a:t>
@@ -2083,7 +2197,7 @@
           </a:p>
           <a:p>
             <a:r>
-              <a:rPr lang="en-US" smtClean="0">
+              <a:rPr lang="en-US" dirty="0" smtClean="0">
                 <a:latin typeface="Arial" pitchFamily="34" charset="0"/>
               </a:rPr>
               <a:t>• A markup language, the Wireless Markup Language, adhering to XML </a:t>
@@ -2091,7 +2205,7 @@
           </a:p>
           <a:p>
             <a:r>
-              <a:rPr lang="en-US" smtClean="0">
+              <a:rPr lang="en-US" dirty="0" smtClean="0">
                 <a:latin typeface="Arial" pitchFamily="34" charset="0"/>
               </a:rPr>
               <a:t>• A specification of a small browser suitable for a mobile, wireless terminal </a:t>
@@ -2099,7 +2213,7 @@
           </a:p>
           <a:p>
             <a:r>
-              <a:rPr lang="en-US" smtClean="0">
+              <a:rPr lang="en-US" dirty="0" smtClean="0">
                 <a:latin typeface="Arial" pitchFamily="34" charset="0"/>
               </a:rPr>
               <a:t>• A lightweight communications protocol stack </a:t>
@@ -2107,7 +2221,7 @@
           </a:p>
           <a:p>
             <a:r>
-              <a:rPr lang="en-US" smtClean="0">
+              <a:rPr lang="en-US" dirty="0" smtClean="0">
                 <a:latin typeface="Arial" pitchFamily="34" charset="0"/>
               </a:rPr>
               <a:t>• A framework for wireless telephony applications (WTAs) </a:t>
@@ -2204,46 +2318,58 @@
           <a:lstStyle/>
           <a:p>
             <a:r>
-              <a:rPr lang="en-US" smtClean="0">
+              <a:rPr lang="en-US" dirty="0" smtClean="0">
                 <a:latin typeface="Arial" pitchFamily="34" charset="0"/>
               </a:rPr>
               <a:t>The WAP Programming Model is based on three elements: the </a:t>
             </a:r>
             <a:r>
-              <a:rPr lang="en-US" i="1" smtClean="0">
+              <a:rPr lang="en-US" i="1" dirty="0" smtClean="0">
                 <a:latin typeface="Arial" pitchFamily="34" charset="0"/>
               </a:rPr>
               <a:t>client, </a:t>
             </a:r>
             <a:r>
-              <a:rPr lang="en-US" smtClean="0">
+              <a:rPr lang="en-US" dirty="0" smtClean="0">
                 <a:latin typeface="Arial" pitchFamily="34" charset="0"/>
               </a:rPr>
               <a:t>the </a:t>
             </a:r>
             <a:r>
-              <a:rPr lang="en-US" i="1" smtClean="0">
+              <a:rPr lang="en-US" i="1" dirty="0" smtClean="0">
                 <a:latin typeface="Arial" pitchFamily="34" charset="0"/>
               </a:rPr>
               <a:t>gateway, </a:t>
             </a:r>
             <a:r>
-              <a:rPr lang="en-US" smtClean="0">
+              <a:rPr lang="en-US" dirty="0" smtClean="0">
                 <a:latin typeface="Arial" pitchFamily="34" charset="0"/>
               </a:rPr>
               <a:t>and the</a:t>
             </a:r>
             <a:r>
-              <a:rPr lang="en-US" i="1" smtClean="0">
+              <a:rPr lang="en-US" i="1" dirty="0" smtClean="0">
                 <a:latin typeface="Arial" pitchFamily="34" charset="0"/>
               </a:rPr>
               <a:t> original </a:t>
             </a:r>
             <a:r>
-              <a:rPr lang="en-US" smtClean="0">
+              <a:rPr lang="en-US" dirty="0" smtClean="0">
                 <a:latin typeface="Arial" pitchFamily="34" charset="0"/>
               </a:rPr>
-              <a:t>server, as shown here in Stallings Figure 17.11. HTTP is used between the gateway and the original server to transfer content. The gateway acts as a proxy server for the wireless domain. Its processor(s) provide services that offload the limited capabilities of the hand-held, mobile, wireless terminals. For example, the gateway provides DNS services, converts between WAP protocol stack and the WWW stack (HTTP and TCP/IP), encodes information from the Web into a more compact form that minimizes wireless communication, and, in the other direction, decodes the compacted form into standard Web communication conventions. The gateway also caches frequently requested information. </a:t>
+              <a:t>server, as shown here in Stallings Figure 17.11. HTTP is used between the gateway and the original server to transfer content. The gateway acts as a proxy server for the wireless domain. Its processor(s) provide services that offload the limited capabilities of the hand-held, mobile, wireless terminals. </a:t>
+            </a:r>
+            <a:r>
+              <a:rPr lang="en-US" b="1" dirty="0" smtClean="0">
+                <a:latin typeface="Arial" pitchFamily="34" charset="0"/>
+              </a:rPr>
+              <a:t>For example, the gateway provides DNS services, converts between WAP protocol stack and the WWW stack (HTTP and TCP/IP), encodes information from the Web into a more compact form that minimizes wireless communication, and, in the other direction, decodes the compacted form into standard Web communication conventions. </a:t>
+            </a:r>
+            <a:r>
+              <a:rPr lang="en-US" dirty="0" smtClean="0">
+                <a:latin typeface="Arial" pitchFamily="34" charset="0"/>
+              </a:rPr>
+              <a:t>The gateway also caches frequently requested information. </a:t>
             </a:r>
           </a:p>
         </p:txBody>
@@ -2539,7 +2665,7 @@
           <a:lstStyle/>
           <a:p>
             <a:r>
-              <a:rPr lang="en-US" smtClean="0">
+              <a:rPr lang="en-US" dirty="0" smtClean="0">
                 <a:latin typeface="Arial" pitchFamily="34" charset="0"/>
               </a:rPr>
               <a:t>WML was designed to describe content and format for presenting data on devices with limited bandwidth, limited screen size, and limited user input capability. It is designed to work with telephone keypads, styluses, and other input devices common to mobile, wireless communication. WML permits the scaling of displays for use on two-line screens found in some small devices, as well as the larger screens found on smart phones.  For an ordinary PC, a Web browser provides content in the form of Web pages coded with the Hypertext Markup Language (HTML). To translate an HTML-coded Web page into WML with content and format suitable for wireless devices, much of the information, especially graphics and animation, must be stripped away. WML presents mainly text-based information that attempts to capture the essence of the Web page and that is organized for easy access for users of mobile devices.  Important features of WML include: text and image formatting and layout commands, deck/card organizational metaphor, and support for navigation among cards and decks. In an HTML-based Web browser, a user navigates by clicking on links. At a WML-capable mobile device, a user interacts with cards, moving forward and back through the deck. A card specifies one or more units of interaction (a menu, a screen of text, or a text-entry field). A WML deck is similar to an HTML page in that it is identified by a Web address (URL) and is the unit of content transmission. </a:t>
@@ -2636,7 +2762,7 @@
           <a:lstStyle/>
           <a:p>
             <a:r>
-              <a:rPr lang="en-US" smtClean="0">
+              <a:rPr lang="en-US" dirty="0" smtClean="0">
                 <a:latin typeface="Arial" pitchFamily="34" charset="0"/>
               </a:rPr>
               <a:t>Stallings Figure 17.13 illustrates the overall stack architecture implemented in a WAP client. In essence, this is a five-layer model. Each layer provides a set of functions and/or services to other services and applications through a set of well-defined interfaces. Each of the layers of the architecture is accessible by the layers above, as well as by other services and applications. Many of the services in the stack may be provided by more than one protocol. For example, either HTTP or WSP may provide the Hypermedia Transfer service.  Common two all five layers are a sets of services that are accessible by multiple layers. These common services fall into two categories: security services and service discovery. The WAP specification includes mechanisms to provide confidentiality, integrity, authentication, and nonrepudiation. There is a collection of service discovery services that enable the WAP client and the Web server to determine capabilities and services. See text for further details.</a:t>
@@ -2644,19 +2770,19 @@
           </a:p>
           <a:p>
             <a:r>
-              <a:rPr lang="en-US" smtClean="0">
+              <a:rPr lang="en-US" dirty="0" smtClean="0">
                 <a:latin typeface="Arial" pitchFamily="34" charset="0"/>
               </a:rPr>
               <a:t>The Wireless Application Environment </a:t>
             </a:r>
             <a:r>
-              <a:rPr lang="en-US" b="1" smtClean="0">
+              <a:rPr lang="en-US" b="1" dirty="0" smtClean="0">
                 <a:latin typeface="Arial" pitchFamily="34" charset="0"/>
               </a:rPr>
               <a:t>(</a:t>
             </a:r>
             <a:r>
-              <a:rPr lang="en-US" smtClean="0">
+              <a:rPr lang="en-US" dirty="0" smtClean="0">
                 <a:latin typeface="Arial" pitchFamily="34" charset="0"/>
               </a:rPr>
               <a:t>WAE) specifies an application framework for wireless devices such as mobile telephones, pagers, and PDAs. In essence, the WAE consists of tools and formats that are intended to ease the task of developing applications and devices supported by WAP. </a:t>
@@ -2753,10 +2879,65 @@
           <a:lstStyle/>
           <a:p>
             <a:r>
-              <a:rPr lang="en-US" smtClean="0">
+              <a:rPr lang="en-US" dirty="0" smtClean="0">
                 <a:latin typeface="Arial" pitchFamily="34" charset="0"/>
               </a:rPr>
-              <a:t>The WAP architecture illustrated in Stallings Figure 17.13 (previous slide) dictates a collection of services at each level and provides interface specifications at the boundary between each pair of layers. Because several of the services in the WAP stack can be provided using different protocols based on the circumstances, there are more than one possible stack configurations. Stallings Figure 17.14 depicts a common protocol stack configuration in which a WAP client device connects to a Web server via a WAP gateway. This configuration is common with devices that implement version 1 of the WAP specification but is also used in version 2 devices (WAP2) if the bearer network does not support TCP/IP. </a:t>
+              <a:t>WAE=Wireless Application Environment</a:t>
+            </a:r>
+          </a:p>
+          <a:p>
+            <a:r>
+              <a:rPr lang="en-US" dirty="0" smtClean="0">
+                <a:latin typeface="Arial" pitchFamily="34" charset="0"/>
+              </a:rPr>
+              <a:t>WSP=Wireless Session</a:t>
+            </a:r>
+            <a:r>
+              <a:rPr lang="en-US" baseline="0" dirty="0" smtClean="0">
+                <a:latin typeface="Arial" pitchFamily="34" charset="0"/>
+              </a:rPr>
+              <a:t> Protocol</a:t>
+            </a:r>
+          </a:p>
+          <a:p>
+            <a:r>
+              <a:rPr lang="en-US" baseline="0" dirty="0" smtClean="0">
+                <a:latin typeface="Arial" pitchFamily="34" charset="0"/>
+              </a:rPr>
+              <a:t>WTP=Wireless Transaction Protocol</a:t>
+            </a:r>
+          </a:p>
+          <a:p>
+            <a:r>
+              <a:rPr lang="en-US" baseline="0" dirty="0" smtClean="0">
+                <a:latin typeface="Arial" pitchFamily="34" charset="0"/>
+              </a:rPr>
+              <a:t>WTLS=Wireless Transport Layer Security</a:t>
+            </a:r>
+          </a:p>
+          <a:p>
+            <a:r>
+              <a:rPr lang="en-US" baseline="0" dirty="0" smtClean="0">
+                <a:latin typeface="Arial" pitchFamily="34" charset="0"/>
+              </a:rPr>
+              <a:t>WDP=Wireless Datagram Protocol</a:t>
+            </a:r>
+            <a:endParaRPr lang="en-US" dirty="0" smtClean="0">
+              <a:latin typeface="Arial" pitchFamily="34" charset="0"/>
+            </a:endParaRPr>
+          </a:p>
+          <a:p>
+            <a:r>
+              <a:rPr lang="en-US" dirty="0" smtClean="0">
+                <a:latin typeface="Arial" pitchFamily="34" charset="0"/>
+              </a:rPr>
+              <a:t>The </a:t>
+            </a:r>
+            <a:r>
+              <a:rPr lang="en-US" dirty="0" smtClean="0">
+                <a:latin typeface="Arial" pitchFamily="34" charset="0"/>
+              </a:rPr>
+              <a:t>WAP architecture illustrated in Stallings Figure 17.13 (previous slide) dictates a collection of services at each level and provides interface specifications at the boundary between each pair of layers. Because several of the services in the WAP stack can be provided using different protocols based on the circumstances, there are more than one possible stack configurations. Stallings Figure 17.14 depicts a common protocol stack configuration in which a WAP client device connects to a Web server via a WAP gateway. This configuration is common with devices that implement version 1 of the WAP specification but is also used in version 2 devices (WAP2) if the bearer network does not support TCP/IP. </a:t>
             </a:r>
           </a:p>
         </p:txBody>
@@ -3862,7 +4043,7 @@
           <a:lstStyle/>
           <a:p>
             <a:r>
-              <a:rPr lang="en-US" smtClean="0">
+              <a:rPr lang="en-US" dirty="0" smtClean="0">
                 <a:latin typeface="Arial" pitchFamily="34" charset="0"/>
               </a:rPr>
               <a:t>Authentication in the WTLS is carried out with certificates. Authentication can occur between the client and the server or the client only authenticates the server. The latter procedure can happen only if the server allows it to occur. The server can require the client to authenticate itself to the server. However, the WTLS specification defines that authentication is an optional procedure. Currently, X.509v3, X9.68 and WTLS certificates are supported. The WTLS certificate is optimized for size.</a:t>
@@ -3870,10 +4051,70 @@
           </a:p>
           <a:p>
             <a:r>
-              <a:rPr lang="en-US" smtClean="0">
+              <a:rPr lang="en-US" dirty="0" smtClean="0">
                 <a:latin typeface="Arial" pitchFamily="34" charset="0"/>
               </a:rPr>
-              <a:t>The purpose of the WTLS protocol is for the client and server to generate a mutually shared pre-master key. This key is then used to generate as master key. A number of key exchange protocols are supported by WTLS. They can be grouped into those protocols that include a server_key_exchange message as part of the handshake protocol (see Figure 17.18 on previous slide) and those that don't. The server_key_exchange message is sent by the server only when the server certificate message (if sent) does not contain enough data to allow the client to exchange a pre-master secret, including for conventional Diffie-Hellman performed anonymously, elliptic curve Diffie-Hellman, or RSA key exchange without authentication. The server key exchange message is not sent for Elliptic curve Diffie-Hellman key exchange with ECDSA-based certificate, or for RSA key exchange with RSA based certificates.</a:t>
+              <a:t>The purpose of the WTLS protocol is for the client and server to generate a mutually shared pre-master key. This key is then used to generate as master key. A number of key exchange protocols are supported by WTLS. They can be grouped into those protocols that include a </a:t>
+            </a:r>
+            <a:r>
+              <a:rPr lang="en-US" dirty="0" err="1" smtClean="0">
+                <a:latin typeface="Arial" pitchFamily="34" charset="0"/>
+              </a:rPr>
+              <a:t>server_key_exchange</a:t>
+            </a:r>
+            <a:r>
+              <a:rPr lang="en-US" dirty="0" smtClean="0">
+                <a:latin typeface="Arial" pitchFamily="34" charset="0"/>
+              </a:rPr>
+              <a:t> message as part of the handshake protocol (see Figure 17.18 on previous slide) and those that don't. The </a:t>
+            </a:r>
+            <a:r>
+              <a:rPr lang="en-US" dirty="0" err="1" smtClean="0">
+                <a:latin typeface="Arial" pitchFamily="34" charset="0"/>
+              </a:rPr>
+              <a:t>server_key_exchange</a:t>
+            </a:r>
+            <a:r>
+              <a:rPr lang="en-US" dirty="0" smtClean="0">
+                <a:latin typeface="Arial" pitchFamily="34" charset="0"/>
+              </a:rPr>
+              <a:t> message is sent by the server only when the server certificate message (if sent) does not contain enough data to allow the client to exchange a pre-master secret, including for conventional </a:t>
+            </a:r>
+            <a:r>
+              <a:rPr lang="en-US" dirty="0" err="1" smtClean="0">
+                <a:latin typeface="Arial" pitchFamily="34" charset="0"/>
+              </a:rPr>
+              <a:t>Diffie</a:t>
+            </a:r>
+            <a:r>
+              <a:rPr lang="en-US" dirty="0" smtClean="0">
+                <a:latin typeface="Arial" pitchFamily="34" charset="0"/>
+              </a:rPr>
+              <a:t>-Hellman performed anonymously, elliptic curve </a:t>
+            </a:r>
+            <a:r>
+              <a:rPr lang="en-US" dirty="0" err="1" smtClean="0">
+                <a:latin typeface="Arial" pitchFamily="34" charset="0"/>
+              </a:rPr>
+              <a:t>Diffie</a:t>
+            </a:r>
+            <a:r>
+              <a:rPr lang="en-US" dirty="0" smtClean="0">
+                <a:latin typeface="Arial" pitchFamily="34" charset="0"/>
+              </a:rPr>
+              <a:t>-Hellman, or RSA key exchange without authentication. The server key exchange message is not sent for Elliptic curve </a:t>
+            </a:r>
+            <a:r>
+              <a:rPr lang="en-US" dirty="0" err="1" smtClean="0">
+                <a:latin typeface="Arial" pitchFamily="34" charset="0"/>
+              </a:rPr>
+              <a:t>Diffie</a:t>
+            </a:r>
+            <a:r>
+              <a:rPr lang="en-US" dirty="0" smtClean="0">
+                <a:latin typeface="Arial" pitchFamily="34" charset="0"/>
+              </a:rPr>
+              <a:t>-Hellman key exchange with ECDSA-based certificate, or for RSA key exchange with RSA based certificates.</a:t>
             </a:r>
           </a:p>
         </p:txBody>
@@ -3971,7 +4212,7 @@
           <a:lstStyle/>
           <a:p>
             <a:r>
-              <a:rPr lang="en-US" smtClean="0">
+              <a:rPr lang="en-US" dirty="0" smtClean="0">
                 <a:latin typeface="Arial" pitchFamily="34" charset="0"/>
               </a:rPr>
               <a:t>The WTLS Pseudorandom Function (PRF) is used for a number of purposes. The PRF takes as input a secret value, a seed, and an identifying label, and produces an output of arbitrary length. WTLS PRF is implemented using only one hash algorithm (unlike TLS). Which hash algorithm is actually used, is agreed during the handshake as a part of the cipher spec. The PRF is based on a HMAC based data expansion function. See text for details.</a:t>
@@ -3979,31 +4220,103 @@
           </a:p>
           <a:p>
             <a:r>
-              <a:rPr lang="en-US" smtClean="0">
+              <a:rPr lang="en-US" dirty="0" smtClean="0">
                 <a:latin typeface="Arial" pitchFamily="34" charset="0"/>
               </a:rPr>
-              <a:t>Master Key Generation of the shared master secret, a one-time 20-byte value (160 bits) generated for this session by means of secure key exchange. First, a pre_master_secret is exchanged. Second, the master_secret is calculated by both parties, using the following function:  </a:t>
-            </a:r>
-          </a:p>
-          <a:p>
-            <a:r>
-              <a:rPr lang="en-US" smtClean="0">
+              <a:t>Master Key Generation of the shared master secret, a one-time 20-byte value (160 bits) generated for this session by means of secure key exchange. First, a </a:t>
+            </a:r>
+            <a:r>
+              <a:rPr lang="en-US" dirty="0" err="1" smtClean="0">
                 <a:latin typeface="Arial" pitchFamily="34" charset="0"/>
               </a:rPr>
-              <a:t>    master_secret = PRF( pre_master_secret, "master secret",</a:t>
-            </a:r>
-          </a:p>
-          <a:p>
-            <a:r>
-              <a:rPr lang="en-US" smtClean="0">
+              <a:t>pre_master_secret</a:t>
+            </a:r>
+            <a:r>
+              <a:rPr lang="en-US" dirty="0" smtClean="0">
                 <a:latin typeface="Arial" pitchFamily="34" charset="0"/>
               </a:rPr>
-              <a:t>		ClientHello.random || ServerHello.random ) </a:t>
-            </a:r>
-          </a:p>
-          <a:p>
-            <a:r>
-              <a:rPr lang="en-US" smtClean="0">
+              <a:t> is exchanged. Second, the </a:t>
+            </a:r>
+            <a:r>
+              <a:rPr lang="en-US" dirty="0" err="1" smtClean="0">
+                <a:latin typeface="Arial" pitchFamily="34" charset="0"/>
+              </a:rPr>
+              <a:t>master_secret</a:t>
+            </a:r>
+            <a:r>
+              <a:rPr lang="en-US" dirty="0" smtClean="0">
+                <a:latin typeface="Arial" pitchFamily="34" charset="0"/>
+              </a:rPr>
+              <a:t> is calculated by both parties, using the following function:  </a:t>
+            </a:r>
+          </a:p>
+          <a:p>
+            <a:r>
+              <a:rPr lang="en-US" dirty="0" smtClean="0">
+                <a:latin typeface="Arial" pitchFamily="34" charset="0"/>
+              </a:rPr>
+              <a:t>    </a:t>
+            </a:r>
+            <a:r>
+              <a:rPr lang="en-US" dirty="0" err="1" smtClean="0">
+                <a:latin typeface="Arial" pitchFamily="34" charset="0"/>
+              </a:rPr>
+              <a:t>master_secret</a:t>
+            </a:r>
+            <a:r>
+              <a:rPr lang="en-US" dirty="0" smtClean="0">
+                <a:latin typeface="Arial" pitchFamily="34" charset="0"/>
+              </a:rPr>
+              <a:t> = PRF( </a:t>
+            </a:r>
+            <a:r>
+              <a:rPr lang="en-US" dirty="0" err="1" smtClean="0">
+                <a:latin typeface="Arial" pitchFamily="34" charset="0"/>
+              </a:rPr>
+              <a:t>pre_master_secret</a:t>
+            </a:r>
+            <a:r>
+              <a:rPr lang="en-US" dirty="0" smtClean="0">
+                <a:latin typeface="Arial" pitchFamily="34" charset="0"/>
+              </a:rPr>
+              <a:t>, "master secret",</a:t>
+            </a:r>
+          </a:p>
+          <a:p>
+            <a:r>
+              <a:rPr lang="en-US" dirty="0" smtClean="0">
+                <a:latin typeface="Arial" pitchFamily="34" charset="0"/>
+              </a:rPr>
+              <a:t>		</a:t>
+            </a:r>
+            <a:r>
+              <a:rPr lang="en-US" dirty="0" err="1" smtClean="0">
+                <a:latin typeface="Arial" pitchFamily="34" charset="0"/>
+              </a:rPr>
+              <a:t>ClientHello.random</a:t>
+            </a:r>
+            <a:r>
+              <a:rPr lang="en-US" dirty="0" smtClean="0">
+                <a:latin typeface="Arial" pitchFamily="34" charset="0"/>
+              </a:rPr>
+              <a:t> || </a:t>
+            </a:r>
+            <a:r>
+              <a:rPr lang="en-US" dirty="0" err="1" smtClean="0">
+                <a:latin typeface="Arial" pitchFamily="34" charset="0"/>
+              </a:rPr>
+              <a:t>ServerHello.random</a:t>
+            </a:r>
+            <a:r>
+              <a:rPr lang="en-US" dirty="0" smtClean="0">
+                <a:latin typeface="Arial" pitchFamily="34" charset="0"/>
+              </a:rPr>
+              <a:t> ) </a:t>
+            </a:r>
+          </a:p>
+          <a:p>
+            <a:r>
+              <a:rPr lang="en-US" dirty="0" smtClean="0">
                 <a:latin typeface="Arial" pitchFamily="34" charset="0"/>
               </a:rPr>
               <a:t>where the random numbers are  exchanged during the first phase of the handshake protocol.  The MAC and encryption keys are then derived from the master key, using the HMAC algorithm, and encompasses these fields: </a:t>
@@ -4011,23 +4324,92 @@
           </a:p>
           <a:p>
             <a:r>
-              <a:rPr lang="en-US" smtClean="0">
+              <a:rPr lang="en-US" dirty="0" smtClean="0">
                 <a:latin typeface="Arial" pitchFamily="34" charset="0"/>
               </a:rPr>
-              <a:t>    HMAC_hash ( MAC_secret, seq_number || WTLSCompressed.record_type</a:t>
-            </a:r>
-          </a:p>
-          <a:p>
-            <a:r>
-              <a:rPr lang="en-US" smtClean="0">
+              <a:t>    </a:t>
+            </a:r>
+            <a:r>
+              <a:rPr lang="en-US" dirty="0" err="1" smtClean="0">
                 <a:latin typeface="Arial" pitchFamily="34" charset="0"/>
               </a:rPr>
-              <a:t>	 || WTLSCompressed.length || WTLSCompressed.fragment )</a:t>
-            </a:r>
-          </a:p>
-          <a:p>
-            <a:r>
-              <a:rPr lang="en-US" smtClean="0">
+              <a:t>HMAC_hash</a:t>
+            </a:r>
+            <a:r>
+              <a:rPr lang="en-US" dirty="0" smtClean="0">
+                <a:latin typeface="Arial" pitchFamily="34" charset="0"/>
+              </a:rPr>
+              <a:t> ( </a:t>
+            </a:r>
+            <a:r>
+              <a:rPr lang="en-US" dirty="0" err="1" smtClean="0">
+                <a:latin typeface="Arial" pitchFamily="34" charset="0"/>
+              </a:rPr>
+              <a:t>MAC_secret</a:t>
+            </a:r>
+            <a:r>
+              <a:rPr lang="en-US" dirty="0" smtClean="0">
+                <a:latin typeface="Arial" pitchFamily="34" charset="0"/>
+              </a:rPr>
+              <a:t>, </a:t>
+            </a:r>
+            <a:r>
+              <a:rPr lang="en-US" dirty="0" err="1" smtClean="0">
+                <a:latin typeface="Arial" pitchFamily="34" charset="0"/>
+              </a:rPr>
+              <a:t>seq_number</a:t>
+            </a:r>
+            <a:r>
+              <a:rPr lang="en-US" dirty="0" smtClean="0">
+                <a:latin typeface="Arial" pitchFamily="34" charset="0"/>
+              </a:rPr>
+              <a:t> || </a:t>
+            </a:r>
+            <a:r>
+              <a:rPr lang="en-US" dirty="0" err="1" smtClean="0">
+                <a:latin typeface="Arial" pitchFamily="34" charset="0"/>
+              </a:rPr>
+              <a:t>WTLSCompressed.record_type</a:t>
+            </a:r>
+            <a:endParaRPr lang="en-US" dirty="0" smtClean="0">
+              <a:latin typeface="Arial" pitchFamily="34" charset="0"/>
+            </a:endParaRPr>
+          </a:p>
+          <a:p>
+            <a:r>
+              <a:rPr lang="en-US" dirty="0" smtClean="0">
+                <a:latin typeface="Arial" pitchFamily="34" charset="0"/>
+              </a:rPr>
+              <a:t>	 || </a:t>
+            </a:r>
+            <a:r>
+              <a:rPr lang="en-US" dirty="0" err="1" smtClean="0">
+                <a:latin typeface="Arial" pitchFamily="34" charset="0"/>
+              </a:rPr>
+              <a:t>WTLSCompressed.length</a:t>
+            </a:r>
+            <a:r>
+              <a:rPr lang="en-US" dirty="0" smtClean="0">
+                <a:latin typeface="Arial" pitchFamily="34" charset="0"/>
+              </a:rPr>
+              <a:t> || </a:t>
+            </a:r>
+            <a:r>
+              <a:rPr lang="en-US" dirty="0" err="1" smtClean="0">
+                <a:latin typeface="Arial" pitchFamily="34" charset="0"/>
+              </a:rPr>
+              <a:t>WTLSCompressed.fragment</a:t>
+            </a:r>
+            <a:r>
+              <a:rPr lang="en-US" dirty="0" smtClean="0">
+                <a:latin typeface="Arial" pitchFamily="34" charset="0"/>
+              </a:rPr>
+              <a:t> )</a:t>
+            </a:r>
+          </a:p>
+          <a:p>
+            <a:r>
+              <a:rPr lang="en-US" dirty="0" smtClean="0">
                 <a:latin typeface="Arial" pitchFamily="34" charset="0"/>
               </a:rPr>
               <a:t>Either MD5 or SHA-1 may be used for the HMAC hash function.  </a:t>
@@ -4035,7 +4417,7 @@
           </a:p>
           <a:p>
             <a:r>
-              <a:rPr lang="en-US" smtClean="0">
+              <a:rPr lang="en-US" dirty="0" smtClean="0">
                 <a:latin typeface="Arial" pitchFamily="34" charset="0"/>
               </a:rPr>
               <a:t>Encryption is applied to all of the WTLS record, except the header, using RC5, DES, 3DES, or IDEA encryption algorithms.</a:t>
@@ -4670,7 +5052,7 @@
           <a:lstStyle/>
           <a:p>
             <a:r>
-              <a:rPr lang="en-US" smtClean="0">
+              <a:rPr lang="en-US" dirty="0" smtClean="0">
                 <a:latin typeface="Arial" pitchFamily="34" charset="0"/>
                 <a:cs typeface="Arial" pitchFamily="34" charset="0"/>
               </a:rPr>
@@ -4679,21 +5061,21 @@
           </a:p>
           <a:p>
             <a:r>
-              <a:rPr lang="en-US" smtClean="0">
+              <a:rPr lang="en-US" dirty="0" smtClean="0">
                 <a:latin typeface="Arial" pitchFamily="34" charset="0"/>
                 <a:cs typeface="Arial" pitchFamily="34" charset="0"/>
               </a:rPr>
               <a:t>The lowest layer of the IEEE 802 reference model is the </a:t>
             </a:r>
             <a:r>
-              <a:rPr lang="en-US" b="1" smtClean="0">
+              <a:rPr lang="en-US" b="1" dirty="0" smtClean="0">
                 <a:latin typeface="Arial" pitchFamily="34" charset="0"/>
                 <a:cs typeface="Arial" pitchFamily="34" charset="0"/>
               </a:rPr>
               <a:t>physical layer</a:t>
             </a:r>
             <a:r>
-              <a:rPr lang="en-US" smtClean="0">
+              <a:rPr lang="en-US" dirty="0" smtClean="0">
                 <a:latin typeface="Arial" pitchFamily="34" charset="0"/>
                 <a:cs typeface="Arial" pitchFamily="34" charset="0"/>
               </a:rPr>
@@ -4702,35 +5084,35 @@
           </a:p>
           <a:p>
             <a:r>
-              <a:rPr lang="en-US" smtClean="0">
+              <a:rPr lang="en-US" dirty="0" smtClean="0">
                 <a:latin typeface="Arial" pitchFamily="34" charset="0"/>
                 <a:cs typeface="Arial" pitchFamily="34" charset="0"/>
               </a:rPr>
               <a:t>Next is the  </a:t>
             </a:r>
             <a:r>
-              <a:rPr lang="en-US" b="1" smtClean="0">
+              <a:rPr lang="en-US" b="1" dirty="0" smtClean="0">
                 <a:latin typeface="Arial" pitchFamily="34" charset="0"/>
                 <a:cs typeface="Arial" pitchFamily="34" charset="0"/>
               </a:rPr>
               <a:t>media access control (MAC) layer</a:t>
             </a:r>
             <a:r>
-              <a:rPr lang="en-US" smtClean="0">
+              <a:rPr lang="en-US" dirty="0" smtClean="0">
                 <a:latin typeface="Arial" pitchFamily="34" charset="0"/>
                 <a:cs typeface="Arial" pitchFamily="34" charset="0"/>
               </a:rPr>
               <a:t>, which controls access to the transmission medium to provide an orderly and efficient use of that capacity. The MAC layer receives data from a higher-layer protocol, typically the Logical Link Control (LLC) layer, in the form of a block of data known as the </a:t>
             </a:r>
             <a:r>
-              <a:rPr lang="en-US" b="1" smtClean="0">
+              <a:rPr lang="en-US" b="1" dirty="0" smtClean="0">
                 <a:latin typeface="Arial" pitchFamily="34" charset="0"/>
                 <a:cs typeface="Arial" pitchFamily="34" charset="0"/>
               </a:rPr>
               <a:t>MAC service data unit (MSDU). </a:t>
             </a:r>
             <a:r>
-              <a:rPr lang="en-US" smtClean="0">
+              <a:rPr lang="en-US" dirty="0" smtClean="0">
                 <a:latin typeface="Arial" pitchFamily="34" charset="0"/>
                 <a:cs typeface="Arial" pitchFamily="34" charset="0"/>
               </a:rPr>
@@ -4739,7 +5121,7 @@
           </a:p>
           <a:p>
             <a:r>
-              <a:rPr lang="en-US" smtClean="0">
+              <a:rPr lang="en-US" dirty="0" smtClean="0">
                 <a:latin typeface="Arial" pitchFamily="34" charset="0"/>
                 <a:cs typeface="Arial" pitchFamily="34" charset="0"/>
               </a:rPr>
@@ -4846,55 +5228,55 @@
               </a:lnSpc>
             </a:pPr>
             <a:r>
-              <a:rPr lang="en-US" smtClean="0">
+              <a:rPr lang="en-US" dirty="0" smtClean="0">
                 <a:latin typeface="Arial" pitchFamily="34" charset="0"/>
               </a:rPr>
               <a:t>Stallings Figure 17.3 illustrates the model developed by the 802.11 working group. The smallest building block of a wireless LAN is a </a:t>
             </a:r>
             <a:r>
-              <a:rPr lang="en-US" b="1" smtClean="0">
+              <a:rPr lang="en-US" b="1" dirty="0" smtClean="0">
                 <a:latin typeface="Arial" pitchFamily="34" charset="0"/>
               </a:rPr>
               <a:t>basic service set (BSS)</a:t>
             </a:r>
             <a:r>
-              <a:rPr lang="en-US" smtClean="0">
+              <a:rPr lang="en-US" dirty="0" smtClean="0">
                 <a:latin typeface="Arial" pitchFamily="34" charset="0"/>
               </a:rPr>
               <a:t>, which consists of wireless stations executing the same MAC protocol and competing for access to the same shared wireless medium. A BSS may be isolated or it may connect to a backbone </a:t>
             </a:r>
             <a:r>
-              <a:rPr lang="en-US" b="1" smtClean="0">
+              <a:rPr lang="en-US" b="1" dirty="0" smtClean="0">
                 <a:latin typeface="Arial" pitchFamily="34" charset="0"/>
               </a:rPr>
               <a:t>distribution system (DS) </a:t>
             </a:r>
             <a:r>
-              <a:rPr lang="en-US" smtClean="0">
+              <a:rPr lang="en-US" dirty="0" smtClean="0">
                 <a:latin typeface="Arial" pitchFamily="34" charset="0"/>
               </a:rPr>
               <a:t>through an </a:t>
             </a:r>
             <a:r>
-              <a:rPr lang="en-US" b="1" smtClean="0">
+              <a:rPr lang="en-US" b="1" dirty="0" smtClean="0">
                 <a:latin typeface="Arial" pitchFamily="34" charset="0"/>
               </a:rPr>
               <a:t>access point (AP</a:t>
             </a:r>
             <a:r>
-              <a:rPr lang="en-US" smtClean="0">
+              <a:rPr lang="en-US" dirty="0" smtClean="0">
                 <a:latin typeface="Arial" pitchFamily="34" charset="0"/>
               </a:rPr>
               <a:t>). The AP functions as a bridge and a relay point. In a BSS, client stations do not communicate directly with one another. Rather the MAC frame is first sent from the originating station to the AP, and then from the AP to the destination station. Similarly, a MAC frame from a station in the BSS to a remote station is sent from the local station to the AP and then relayed by the AP over the DS on its way to the destination station. The BSS generally corresponds to what is referred to as a cell. The DS can be a switch, a wired network, or a wireless network.  When all the stations in the BSS are mobile stations that communicate directly with one another, not using an AP, the BSS is called an </a:t>
             </a:r>
             <a:r>
-              <a:rPr lang="en-US" b="1" smtClean="0">
+              <a:rPr lang="en-US" b="1" dirty="0" smtClean="0">
                 <a:latin typeface="Arial" pitchFamily="34" charset="0"/>
               </a:rPr>
               <a:t>independent BSS (IBSS)</a:t>
             </a:r>
             <a:r>
-              <a:rPr lang="en-US" smtClean="0">
+              <a:rPr lang="en-US" dirty="0" smtClean="0">
                 <a:latin typeface="Arial" pitchFamily="34" charset="0"/>
               </a:rPr>
               <a:t>. An IBSS is typically an ad hoc network. In an IBSS, the stations all communicate directly, and no AP is involved.  </a:t>
@@ -4907,19 +5289,19 @@
               </a:lnSpc>
             </a:pPr>
             <a:r>
-              <a:rPr lang="en-US" smtClean="0">
+              <a:rPr lang="en-US" dirty="0" smtClean="0">
                 <a:latin typeface="Arial" pitchFamily="34" charset="0"/>
               </a:rPr>
               <a:t>A simple configuration is shown in Figure 17.3, in which each station belongs to a single BSS; that is, each station is within wireless range only of other stations within the same BSS. It is also possible for two BSSs to overlap geographically, so that a single station could participate in more than one BSS. Further, the association between a station and a BSS is dynamic. Stations may turn off, come within range, and go out of range.  An </a:t>
             </a:r>
             <a:r>
-              <a:rPr lang="en-US" b="1" smtClean="0">
+              <a:rPr lang="en-US" b="1" dirty="0" smtClean="0">
                 <a:latin typeface="Arial" pitchFamily="34" charset="0"/>
               </a:rPr>
               <a:t>extended service set (ESS) </a:t>
             </a:r>
             <a:r>
-              <a:rPr lang="en-US" smtClean="0">
+              <a:rPr lang="en-US" dirty="0" smtClean="0">
                 <a:latin typeface="Arial" pitchFamily="34" charset="0"/>
               </a:rPr>
               <a:t>consists of two or more basic service sets interconnected by a distribution system. The extended service set appears as a single logical LAN to the logical link control (LLC) level. </a:t>
@@ -5025,7 +5407,7 @@
               </a:lnSpc>
             </a:pPr>
             <a:r>
-              <a:rPr lang="en-US" smtClean="0">
+              <a:rPr lang="en-US" dirty="0" smtClean="0">
                 <a:latin typeface="Arial" pitchFamily="34" charset="0"/>
               </a:rPr>
               <a:t>IEEE 802.11 defines nine services that need to be provided by the wireless LAN to achieve functionality equivalent to that which is inherent to wired LANs. Stallings Table 17.2 lists the services &amp; notes two ways of categorizing them.   </a:t>
@@ -5040,7 +5422,7 @@
               <a:buAutoNum type="arabicPeriod"/>
             </a:pPr>
             <a:r>
-              <a:rPr lang="en-US" smtClean="0">
+              <a:rPr lang="en-US" dirty="0" smtClean="0">
                 <a:latin typeface="Arial" pitchFamily="34" charset="0"/>
               </a:rPr>
               <a:t>The service provider can be either the station or the DS. Station services are implemented in every 802.11 station, including AP stations. Distribution services are provided between BSSs; these may be implemented in an AP or in another special-purpose device attached to the distribution system. </a:t>
@@ -5055,7 +5437,7 @@
               <a:buAutoNum type="arabicPeriod"/>
             </a:pPr>
             <a:r>
-              <a:rPr lang="en-US" smtClean="0">
+              <a:rPr lang="en-US" dirty="0" smtClean="0">
                 <a:latin typeface="Arial" pitchFamily="34" charset="0"/>
               </a:rPr>
               <a:t>Three of the services are used to control IEEE 802.11 LAN access and confidentiality. Six of the services are used to support delivery of MSDUs between stations. If the MSDU is too large to be transmitted in a single MPDU, it may be fragmented and transmitted in a series of MPDUs.  </a:t>
@@ -5068,79 +5450,85 @@
               </a:lnSpc>
             </a:pPr>
             <a:r>
-              <a:rPr lang="en-US" smtClean="0">
+              <a:rPr lang="en-US" dirty="0" smtClean="0">
                 <a:latin typeface="Arial" pitchFamily="34" charset="0"/>
               </a:rPr>
               <a:t> We next discuss the services in an order designed to clarify the operation of an IEEE 802.11 ESS network. </a:t>
             </a:r>
             <a:r>
-              <a:rPr lang="en-US" b="1" smtClean="0">
+              <a:rPr lang="en-US" b="1" dirty="0" smtClean="0">
                 <a:latin typeface="Arial" pitchFamily="34" charset="0"/>
               </a:rPr>
               <a:t>MSDU delivery</a:t>
             </a:r>
             <a:r>
-              <a:rPr lang="en-US" smtClean="0">
+              <a:rPr lang="en-US" dirty="0" smtClean="0">
                 <a:latin typeface="Arial" pitchFamily="34" charset="0"/>
               </a:rPr>
               <a:t>, which is the basic service, has already been mentioned. </a:t>
             </a:r>
             <a:r>
-              <a:rPr lang="en-US" b="1" smtClean="0">
+              <a:rPr lang="en-US" b="1" dirty="0" smtClean="0">
                 <a:latin typeface="Arial" pitchFamily="34" charset="0"/>
               </a:rPr>
               <a:t>Distribution </a:t>
             </a:r>
             <a:r>
-              <a:rPr lang="en-US" smtClean="0">
+              <a:rPr lang="en-US" dirty="0" smtClean="0">
                 <a:latin typeface="Arial" pitchFamily="34" charset="0"/>
               </a:rPr>
               <a:t>is the primary service used by stations to exchange MPDUs when the MPDUs must traverse the DS to get from a station in one BSS to a station in another BSS. </a:t>
             </a:r>
             <a:r>
-              <a:rPr lang="en-US" b="1" smtClean="0">
+              <a:rPr lang="en-US" b="1" dirty="0" smtClean="0">
                 <a:latin typeface="Arial" pitchFamily="34" charset="0"/>
               </a:rPr>
               <a:t>Integration </a:t>
             </a:r>
             <a:r>
-              <a:rPr lang="en-US" smtClean="0">
+              <a:rPr lang="en-US" dirty="0" smtClean="0">
                 <a:latin typeface="Arial" pitchFamily="34" charset="0"/>
               </a:rPr>
               <a:t>enables transfer of data between a station on an IEEE 802.11 LAN and a station on an integrated (wired) IEEE 802.x LAN. To deliver a message within a DS, the distribution service needs to know where the destination station is located. </a:t>
             </a:r>
             <a:r>
-              <a:rPr lang="en-US" b="1" smtClean="0">
+              <a:rPr lang="en-US" b="1" dirty="0" smtClean="0">
                 <a:latin typeface="Arial" pitchFamily="34" charset="0"/>
               </a:rPr>
               <a:t>Association</a:t>
             </a:r>
             <a:r>
-              <a:rPr lang="en-US" smtClean="0">
+              <a:rPr lang="en-US" dirty="0" smtClean="0">
                 <a:latin typeface="Arial" pitchFamily="34" charset="0"/>
               </a:rPr>
               <a:t> establishes an initial association between a station and an AP. </a:t>
             </a:r>
             <a:r>
-              <a:rPr lang="en-US" b="1" smtClean="0">
+              <a:rPr lang="en-US" b="1" dirty="0" err="1" smtClean="0">
                 <a:latin typeface="Arial" pitchFamily="34" charset="0"/>
               </a:rPr>
-              <a:t>Reassociation </a:t>
-            </a:r>
-            <a:r>
-              <a:rPr lang="en-US" smtClean="0">
+              <a:t>Reassociation</a:t>
+            </a:r>
+            <a:r>
+              <a:rPr lang="en-US" b="1" dirty="0" smtClean="0">
+                <a:latin typeface="Arial" pitchFamily="34" charset="0"/>
+              </a:rPr>
+              <a:t> </a:t>
+            </a:r>
+            <a:r>
+              <a:rPr lang="en-US" dirty="0" smtClean="0">
                 <a:latin typeface="Arial" pitchFamily="34" charset="0"/>
               </a:rPr>
               <a:t>enables an established association to be transferred from one AP to another, allowing a mobile station to move from one BSS to another.</a:t>
             </a:r>
             <a:r>
-              <a:rPr lang="en-US" b="1" smtClean="0">
+              <a:rPr lang="en-US" b="1" dirty="0" smtClean="0">
                 <a:latin typeface="Arial" pitchFamily="34" charset="0"/>
               </a:rPr>
               <a:t> Disassociation</a:t>
             </a:r>
             <a:r>
-              <a:rPr lang="en-US" smtClean="0">
+              <a:rPr lang="en-US" dirty="0" smtClean="0">
                 <a:latin typeface="Arial" pitchFamily="34" charset="0"/>
               </a:rPr>
               <a:t> is a notification from either a station or an AP that an existing association is terminated.</a:t>
@@ -5370,7 +5758,7 @@
           <a:lstStyle/>
           <a:p>
             <a:r>
-              <a:rPr lang="en-US" smtClean="0">
+              <a:rPr lang="en-US" dirty="0" smtClean="0">
                 <a:latin typeface="Arial" pitchFamily="34" charset="0"/>
               </a:rPr>
               <a:t>The 802.11i RSN security specification defines the following services: </a:t>
@@ -5378,25 +5766,25 @@
           </a:p>
           <a:p>
             <a:r>
-              <a:rPr lang="en-US" smtClean="0">
+              <a:rPr lang="en-US" dirty="0" smtClean="0">
                 <a:latin typeface="Arial" pitchFamily="34" charset="0"/>
               </a:rPr>
               <a:t>• </a:t>
             </a:r>
             <a:r>
-              <a:rPr lang="en-US" b="1" smtClean="0">
+              <a:rPr lang="en-US" b="1" dirty="0" smtClean="0">
                 <a:latin typeface="Arial" pitchFamily="34" charset="0"/>
               </a:rPr>
               <a:t>Authentication</a:t>
             </a:r>
             <a:r>
-              <a:rPr lang="en-US" smtClean="0">
+              <a:rPr lang="en-US" dirty="0" smtClean="0">
                 <a:latin typeface="Arial" pitchFamily="34" charset="0"/>
               </a:rPr>
               <a:t>: A protocol is used to define an exchange between a user and an AS that provides mutual authentication and generates temporary keys to be used between the client and the AP over the wireless link.</a:t>
             </a:r>
             <a:r>
-              <a:rPr lang="en-US" b="1" smtClean="0">
+              <a:rPr lang="en-US" b="1" dirty="0" smtClean="0">
                 <a:latin typeface="Arial" pitchFamily="34" charset="0"/>
               </a:rPr>
               <a:t> </a:t>
@@ -5404,13 +5792,13 @@
           </a:p>
           <a:p>
             <a:r>
-              <a:rPr lang="en-US" b="1" smtClean="0">
+              <a:rPr lang="en-US" b="1" dirty="0" smtClean="0">
                 <a:latin typeface="Arial" pitchFamily="34" charset="0"/>
               </a:rPr>
               <a:t>• Access control</a:t>
             </a:r>
             <a:r>
-              <a:rPr lang="en-US" smtClean="0">
+              <a:rPr lang="en-US" dirty="0" smtClean="0">
                 <a:latin typeface="Arial" pitchFamily="34" charset="0"/>
               </a:rPr>
               <a:t>: This function enforces the use of the authentication function, routes the messages properly, and facilitates key exchange. It can work with a variety of authentication protocols. </a:t>
@@ -5418,13 +5806,13 @@
           </a:p>
           <a:p>
             <a:r>
-              <a:rPr lang="en-US" b="1" smtClean="0">
+              <a:rPr lang="en-US" b="1" dirty="0" smtClean="0">
                 <a:latin typeface="Arial" pitchFamily="34" charset="0"/>
               </a:rPr>
               <a:t>• Privacy with message integrity</a:t>
             </a:r>
             <a:r>
-              <a:rPr lang="en-US" smtClean="0">
+              <a:rPr lang="en-US" dirty="0" smtClean="0">
                 <a:latin typeface="Arial" pitchFamily="34" charset="0"/>
               </a:rPr>
               <a:t>: MAC-level data (e.g., an LLC PDU) are encrypted, along with a message integrity code that ensures that the data have not been altered.   </a:t>
@@ -5432,7 +5820,7 @@
           </a:p>
           <a:p>
             <a:r>
-              <a:rPr lang="en-US" smtClean="0">
+              <a:rPr lang="en-US" dirty="0" smtClean="0">
                 <a:latin typeface="Arial" pitchFamily="34" charset="0"/>
               </a:rPr>
               <a:t>Stallings Figure 17.4a indicates the security protocols used to support these services.</a:t>
@@ -26845,20 +27233,24 @@
           <a:lstStyle/>
           <a:p>
             <a:r>
-              <a:rPr lang="en-US" smtClean="0"/>
-              <a:t>have two schemes for protecting data</a:t>
-            </a:r>
-          </a:p>
-          <a:p>
-            <a:r>
-              <a:rPr lang="en-US" smtClean="0"/>
+              <a:rPr lang="en-US" dirty="0" smtClean="0"/>
+              <a:t>two </a:t>
+            </a:r>
+            <a:r>
+              <a:rPr lang="en-US" dirty="0" smtClean="0"/>
+              <a:t>schemes for protecting data</a:t>
+            </a:r>
+          </a:p>
+          <a:p>
+            <a:r>
+              <a:rPr lang="en-US" dirty="0" smtClean="0"/>
               <a:t>Temporal Key Integrity Protocol (TKIP)</a:t>
             </a:r>
           </a:p>
           <a:p>
             <a:pPr lvl="1"/>
             <a:r>
-              <a:rPr lang="en-US" smtClean="0">
+              <a:rPr lang="en-US" dirty="0" smtClean="0">
                 <a:ea typeface="ＭＳ Ｐゴシック" pitchFamily="-107" charset="-128"/>
               </a:rPr>
               <a:t>s/w changes only to older WEP</a:t>
@@ -26867,7 +27259,7 @@
           <a:p>
             <a:pPr lvl="1"/>
             <a:r>
-              <a:rPr lang="en-US" smtClean="0">
+              <a:rPr lang="en-US" dirty="0" smtClean="0">
                 <a:ea typeface="ＭＳ Ｐゴシック" pitchFamily="-107" charset="-128"/>
               </a:rPr>
               <a:t>adds 64-bit Michael message integrity code (MIC)</a:t>
@@ -26876,7 +27268,7 @@
           <a:p>
             <a:pPr lvl="1"/>
             <a:r>
-              <a:rPr lang="en-US" smtClean="0">
+              <a:rPr lang="en-US" dirty="0" smtClean="0">
                 <a:ea typeface="ＭＳ Ｐゴシック" pitchFamily="-107" charset="-128"/>
               </a:rPr>
               <a:t>encrypts MPDU plus MIC value using RC4</a:t>
@@ -26884,14 +27276,14 @@
           </a:p>
           <a:p>
             <a:r>
-              <a:rPr lang="en-US" smtClean="0"/>
+              <a:rPr lang="en-US" dirty="0" smtClean="0"/>
               <a:t>Counter Mode-CBC MAC Protocol (CCMP)</a:t>
             </a:r>
           </a:p>
           <a:p>
             <a:pPr lvl="1"/>
             <a:r>
-              <a:rPr lang="en-US" smtClean="0">
+              <a:rPr lang="en-US" dirty="0" smtClean="0">
                 <a:ea typeface="ＭＳ Ｐゴシック" pitchFamily="-107" charset="-128"/>
               </a:rPr>
               <a:t>uses the cipher block chaining message authentication code (CBC-MAC) for integrity</a:t>
@@ -26900,7 +27292,7 @@
           <a:p>
             <a:pPr lvl="1"/>
             <a:r>
-              <a:rPr lang="en-US" smtClean="0">
+              <a:rPr lang="en-US" dirty="0" smtClean="0">
                 <a:ea typeface="ＭＳ Ｐゴシック" pitchFamily="-107" charset="-128"/>
               </a:rPr>
               <a:t>uses the CRT block cipher mode of operation</a:t>
@@ -27065,33 +27457,37 @@
           <a:lstStyle/>
           <a:p>
             <a:r>
-              <a:rPr lang="en-US" smtClean="0"/>
+              <a:rPr lang="en-US" dirty="0" smtClean="0"/>
               <a:t>a universal, open standard developed to provide mobile wireless users access to telephony and information services</a:t>
             </a:r>
           </a:p>
           <a:p>
             <a:r>
-              <a:rPr lang="en-US" smtClean="0"/>
-              <a:t>have significant limitations of devices, networks, displays with wide variations</a:t>
-            </a:r>
-          </a:p>
-          <a:p>
-            <a:r>
-              <a:rPr lang="en-US" smtClean="0"/>
+              <a:rPr lang="en-US" dirty="0" smtClean="0"/>
+              <a:t>significant </a:t>
+            </a:r>
+            <a:r>
+              <a:rPr lang="en-US" dirty="0" smtClean="0"/>
+              <a:t>limitations of devices, networks, displays with wide variations</a:t>
+            </a:r>
+          </a:p>
+          <a:p>
+            <a:r>
+              <a:rPr lang="en-US" dirty="0" smtClean="0"/>
               <a:t>WAP specification includes:  </a:t>
             </a:r>
           </a:p>
           <a:p>
             <a:pPr lvl="1"/>
             <a:r>
-              <a:rPr lang="en-US" smtClean="0">
+              <a:rPr lang="en-US" dirty="0" smtClean="0">
                 <a:ea typeface="ＭＳ Ｐゴシック" pitchFamily="-107" charset="-128"/>
               </a:rPr>
               <a:t>programming model, markup language, small browser, lightweight communications protocol stack, applications framework</a:t>
             </a:r>
           </a:p>
           <a:p>
-            <a:endParaRPr lang="en-US" smtClean="0"/>
+            <a:endParaRPr lang="en-US" dirty="0" smtClean="0"/>
           </a:p>
         </p:txBody>
       </p:sp>
@@ -28470,12 +28866,12 @@
           <a:graphicData uri="http://schemas.openxmlformats.org/presentationml/2006/ole">
             <mc:AlternateContent xmlns:mc="http://schemas.openxmlformats.org/markup-compatibility/2006">
               <mc:Choice xmlns:v="urn:schemas-microsoft-com:vml" Requires="v">
-                <p:oleObj spid="_x0000_s21508" name="Document" r:id="rId5" imgW="6099048" imgH="3627120" progId="Word.Document.8">
+                <p:oleObj spid="_x0000_s21512" name="Document" r:id="rId4" imgW="6099048" imgH="3627120" progId="Word.Document.8">
                   <p:embed/>
                 </p:oleObj>
               </mc:Choice>
               <mc:Fallback>
-                <p:oleObj name="Document" r:id="rId5" imgW="6099048" imgH="3627120" progId="Word.Document.8">
+                <p:oleObj name="Document" r:id="rId4" imgW="6099048" imgH="3627120" progId="Word.Document.8">
                   <p:embed/>
                   <p:pic>
                     <p:nvPicPr>
@@ -28486,7 +28882,7 @@
                       <p:nvPr/>
                     </p:nvPicPr>
                     <p:blipFill>
-                      <a:blip r:embed="rId6">
+                      <a:blip r:embed="rId5">
                         <a:extLst>
                           <a:ext uri="{28A0092B-C50C-407E-A947-70E740481C1C}">
                             <a14:useLocalDpi xmlns:a14="http://schemas.microsoft.com/office/drawing/2010/main" val="0"/>
@@ -29242,50 +29638,49 @@
           <a:p>
             <a:pPr eaLnBrk="1" hangingPunct="1"/>
             <a:r>
-              <a:rPr lang="en-US" smtClean="0"/>
-              <a:t>have considered:</a:t>
-            </a:r>
-          </a:p>
-          <a:p>
-            <a:pPr lvl="1" eaLnBrk="1" hangingPunct="1"/>
-            <a:r>
-              <a:rPr lang="en-US" smtClean="0">
+              <a:rPr lang="en-US" dirty="0" smtClean="0">
                 <a:ea typeface="ＭＳ Ｐゴシック" pitchFamily="-107" charset="-128"/>
               </a:rPr>
-              <a:t>IEEE 802.11 Wireless LANs</a:t>
-            </a:r>
-          </a:p>
-          <a:p>
-            <a:pPr lvl="2" eaLnBrk="1" hangingPunct="1"/>
-            <a:r>
-              <a:rPr lang="en-US" smtClean="0">
+              <a:t>IEEE </a:t>
+            </a:r>
+            <a:r>
+              <a:rPr lang="en-US" dirty="0" smtClean="0">
+                <a:ea typeface="ＭＳ Ｐゴシック" pitchFamily="-107" charset="-128"/>
+              </a:rPr>
+              <a:t>802.11 Wireless LANs</a:t>
+            </a:r>
+          </a:p>
+          <a:p>
+            <a:pPr lvl="1" eaLnBrk="1" hangingPunct="1"/>
+            <a:r>
+              <a:rPr lang="en-US" dirty="0" smtClean="0">
                 <a:ea typeface="ＭＳ Ｐゴシック" pitchFamily="-107" charset="-128"/>
               </a:rPr>
               <a:t>protocol overview and security</a:t>
             </a:r>
           </a:p>
           <a:p>
-            <a:pPr lvl="1" eaLnBrk="1" hangingPunct="1"/>
-            <a:r>
-              <a:rPr lang="en-US" smtClean="0">
+            <a:pPr eaLnBrk="1" hangingPunct="1"/>
+            <a:r>
+              <a:rPr lang="en-US" dirty="0" smtClean="0">
                 <a:ea typeface="ＭＳ Ｐゴシック" pitchFamily="-107" charset="-128"/>
               </a:rPr>
               <a:t>Wireless Application Protocol (WAP)</a:t>
             </a:r>
           </a:p>
           <a:p>
-            <a:pPr lvl="2" eaLnBrk="1" hangingPunct="1"/>
-            <a:r>
-              <a:rPr lang="en-US" smtClean="0">
+            <a:pPr lvl="1" eaLnBrk="1" hangingPunct="1"/>
+            <a:r>
+              <a:rPr lang="en-US" dirty="0" smtClean="0">
                 <a:ea typeface="ＭＳ Ｐゴシック" pitchFamily="-107" charset="-128"/>
               </a:rPr>
               <a:t>protocol overview</a:t>
             </a:r>
           </a:p>
           <a:p>
-            <a:pPr lvl="1" eaLnBrk="1" hangingPunct="1"/>
-            <a:r>
-              <a:rPr lang="en-US" smtClean="0">
+            <a:pPr eaLnBrk="1" hangingPunct="1"/>
+            <a:r>
+              <a:rPr lang="en-US" dirty="0" smtClean="0">
                 <a:ea typeface="ＭＳ Ｐゴシック" pitchFamily="-107" charset="-128"/>
               </a:rPr>
               <a:t>Wireless Transport Layer Security (WTLS)</a:t>
@@ -29293,19 +29688,19 @@
           </a:p>
           <a:p>
             <a:pPr lvl="1" eaLnBrk="1" hangingPunct="1"/>
-            <a:endParaRPr lang="en-US" smtClean="0">
+            <a:endParaRPr lang="en-US" dirty="0" smtClean="0">
               <a:ea typeface="ＭＳ Ｐゴシック" pitchFamily="-107" charset="-128"/>
             </a:endParaRPr>
           </a:p>
           <a:p>
             <a:pPr lvl="1" eaLnBrk="1" hangingPunct="1"/>
-            <a:endParaRPr lang="en-US" smtClean="0">
+            <a:endParaRPr lang="en-US" dirty="0" smtClean="0">
               <a:ea typeface="ＭＳ Ｐゴシック" pitchFamily="-107" charset="-128"/>
             </a:endParaRPr>
           </a:p>
           <a:p>
             <a:pPr lvl="1" eaLnBrk="1" hangingPunct="1"/>
-            <a:endParaRPr lang="en-AU" smtClean="0">
+            <a:endParaRPr lang="en-AU" dirty="0" smtClean="0">
               <a:ea typeface="ＭＳ Ｐゴシック" pitchFamily="-107" charset="-128"/>
             </a:endParaRPr>
           </a:p>
